--- a/Rspatial/maptimeDavis_F2017_Week4.pptx
+++ b/Rspatial/maptimeDavis_F2017_Week4.pptx
@@ -220,7 +220,7 @@
           <a:effectLst/>
           <a:extLst>
             <a:ext uri="{91240B29-F687-4f45-9708-019B960494DF}">
-              <a14:hiddenLine xmlns:a14="http://schemas.microsoft.com/office/drawing/2010/main" xmlns="" w="9525">
+              <a14:hiddenLine xmlns="" xmlns:a14="http://schemas.microsoft.com/office/drawing/2010/main" w="9525">
                 <a:solidFill>
                   <a:srgbClr val="000000"/>
                 </a:solidFill>
@@ -1820,7 +1820,7 @@
           <a:ln/>
           <a:extLst>
             <a:ext uri="{91240B29-F687-4f45-9708-019B960494DF}">
-              <a14:hiddenLine xmlns:a14="http://schemas.microsoft.com/office/drawing/2010/main" xmlns="" w="9525">
+              <a14:hiddenLine xmlns="" xmlns:a14="http://schemas.microsoft.com/office/drawing/2010/main" w="9525">
                 <a:solidFill>
                   <a:srgbClr val="000000"/>
                 </a:solidFill>
@@ -2142,7 +2142,7 @@
           <a:ln/>
           <a:extLst>
             <a:ext uri="{91240B29-F687-4f45-9708-019B960494DF}">
-              <a14:hiddenLine xmlns:a14="http://schemas.microsoft.com/office/drawing/2010/main" xmlns="" w="9525">
+              <a14:hiddenLine xmlns="" xmlns:a14="http://schemas.microsoft.com/office/drawing/2010/main" w="9525">
                 <a:solidFill>
                   <a:srgbClr val="000000"/>
                 </a:solidFill>
@@ -2472,7 +2472,7 @@
           <a:ln/>
           <a:extLst>
             <a:ext uri="{91240B29-F687-4f45-9708-019B960494DF}">
-              <a14:hiddenLine xmlns:a14="http://schemas.microsoft.com/office/drawing/2010/main" xmlns="" w="9525">
+              <a14:hiddenLine xmlns="" xmlns:a14="http://schemas.microsoft.com/office/drawing/2010/main" w="9525">
                 <a:solidFill>
                   <a:srgbClr val="000000"/>
                 </a:solidFill>
@@ -3163,7 +3163,7 @@
           <a:ln/>
           <a:extLst>
             <a:ext uri="{91240B29-F687-4f45-9708-019B960494DF}">
-              <a14:hiddenLine xmlns:a14="http://schemas.microsoft.com/office/drawing/2010/main" xmlns="" w="9525">
+              <a14:hiddenLine xmlns="" xmlns:a14="http://schemas.microsoft.com/office/drawing/2010/main" w="9525">
                 <a:solidFill>
                   <a:srgbClr val="000000"/>
                 </a:solidFill>
@@ -3575,7 +3575,7 @@
           <a:ln/>
           <a:extLst>
             <a:ext uri="{91240B29-F687-4f45-9708-019B960494DF}">
-              <a14:hiddenLine xmlns:a14="http://schemas.microsoft.com/office/drawing/2010/main" xmlns="" w="9525">
+              <a14:hiddenLine xmlns="" xmlns:a14="http://schemas.microsoft.com/office/drawing/2010/main" w="9525">
                 <a:solidFill>
                   <a:srgbClr val="000000"/>
                 </a:solidFill>
@@ -4125,7 +4125,7 @@
           <a:ln/>
           <a:extLst>
             <a:ext uri="{91240B29-F687-4f45-9708-019B960494DF}">
-              <a14:hiddenLine xmlns:a14="http://schemas.microsoft.com/office/drawing/2010/main" xmlns="" w="9525">
+              <a14:hiddenLine xmlns="" xmlns:a14="http://schemas.microsoft.com/office/drawing/2010/main" w="9525">
                 <a:solidFill>
                   <a:srgbClr val="000000"/>
                 </a:solidFill>
@@ -4590,7 +4590,7 @@
           <a:ln/>
           <a:extLst>
             <a:ext uri="{91240B29-F687-4f45-9708-019B960494DF}">
-              <a14:hiddenLine xmlns:a14="http://schemas.microsoft.com/office/drawing/2010/main" xmlns="" w="9525">
+              <a14:hiddenLine xmlns="" xmlns:a14="http://schemas.microsoft.com/office/drawing/2010/main" w="9525">
                 <a:solidFill>
                   <a:srgbClr val="000000"/>
                 </a:solidFill>
@@ -6126,18 +6126,7 @@
                   </a:schemeClr>
                 </a:solidFill>
               </a:rPr>
-              <a:t>10/23   </a:t>
-            </a:r>
-            <a:r>
-              <a:rPr lang="en-US" sz="3600" dirty="0" smtClean="0">
-                <a:solidFill>
-                  <a:schemeClr val="accent4">
-                    <a:lumMod val="60000"/>
-                    <a:lumOff val="40000"/>
-                  </a:schemeClr>
-                </a:solidFill>
-              </a:rPr>
-              <a:t>UAV/Drone Show &amp; Tell </a:t>
+              <a:t>10/23   UAV/Drone Show &amp; Tell </a:t>
             </a:r>
           </a:p>
           <a:p>
@@ -6182,11 +6171,7 @@
             </a:pPr>
             <a:r>
               <a:rPr lang="en-US" sz="3600" dirty="0" smtClean="0"/>
-              <a:t>11/6      Cartography Panel &amp; </a:t>
-            </a:r>
-            <a:r>
-              <a:rPr lang="en-US" sz="3600" dirty="0" smtClean="0"/>
-              <a:t>Clinic</a:t>
+              <a:t>11/6      Cartography Panel &amp; Clinic</a:t>
             </a:r>
           </a:p>
           <a:p>
@@ -6197,7 +6182,6 @@
               <a:rPr lang="en-US" sz="3600" dirty="0" smtClean="0"/>
               <a:t>11/13     Open Street Map Map-a-Thon</a:t>
             </a:r>
-            <a:endParaRPr lang="en-US" sz="3600" dirty="0" smtClean="0"/>
           </a:p>
         </p:txBody>
       </p:sp>
@@ -6494,6 +6478,13 @@
   <p:clrMapOvr>
     <a:masterClrMapping/>
   </p:clrMapOvr>
+  <p:timing>
+    <p:tnLst>
+      <p:par>
+        <p:cTn id="1" dur="indefinite" restart="never" nodeType="tmRoot"/>
+      </p:par>
+    </p:tnLst>
+  </p:timing>
 </p:sld>
 </file>
 
@@ -7158,11 +7149,7 @@
             </a:r>
             <a:r>
               <a:rPr lang="en-US" sz="2400" dirty="0" smtClean="0"/>
-              <a:t>2:00-4:00 DSI </a:t>
-            </a:r>
-            <a:r>
-              <a:rPr lang="en-US" sz="2400" dirty="0" smtClean="0"/>
-              <a:t>Conference Room (362 Shields)</a:t>
+              <a:t>2:00-4:00 DSI Conference Room (362 Shields)</a:t>
             </a:r>
           </a:p>
           <a:p>
@@ -7494,6 +7481,13 @@
   <p:clrMapOvr>
     <a:masterClrMapping/>
   </p:clrMapOvr>
+  <p:timing>
+    <p:tnLst>
+      <p:par>
+        <p:cTn id="1" dur="indefinite" restart="never" nodeType="tmRoot"/>
+      </p:par>
+    </p:tnLst>
+  </p:timing>
 </p:sld>
 </file>
 
